--- a/ResearchProposal.pptx
+++ b/ResearchProposal.pptx
@@ -183,7 +183,7 @@
   </p:defaultTextStyle>
   <p:extLst>
     <p:ext uri="{521415D9-36F7-43E2-AB2F-B90AF26B5E84}">
-      <p14:sectionLst xmlns:p14="http://schemas.microsoft.com/office/powerpoint/2010/main">
+      <p14:sectionLst xmlns:p14="http://schemas.microsoft.com/office/powerpoint/2010/main" xmlns="">
         <p14:section name="Default Section" id="{21B7E33C-D427-4924-9223-1FD08C33F98F}">
           <p14:sldIdLst>
             <p14:sldId id="618"/>
@@ -551,7 +551,7 @@
     </p:spTree>
     <p:extLst>
       <p:ext uri="{BB962C8B-B14F-4D97-AF65-F5344CB8AC3E}">
-        <p14:creationId xmlns:p14="http://schemas.microsoft.com/office/powerpoint/2010/main" val="1900671549"/>
+        <p14:creationId xmlns:p14="http://schemas.microsoft.com/office/powerpoint/2010/main" xmlns="" val="1900671549"/>
       </p:ext>
     </p:extLst>
   </p:cSld>
@@ -11600,8 +11600,27 @@
                 </a:solidFill>
                 <a:cs typeface="+mn-ea"/>
               </a:rPr>
-              <a:t>, 2014; Malaga, 2000)</a:t>
-            </a:r>
+              <a:t>, 2014; Malaga, </a:t>
+            </a:r>
+            <a:r>
+              <a:rPr lang="en-US" altLang="zh-CN" sz="2000" b="0" u="none" dirty="0" smtClean="0">
+                <a:solidFill>
+                  <a:schemeClr val="tx1">
+                    <a:tint val="75000"/>
+                  </a:schemeClr>
+                </a:solidFill>
+                <a:cs typeface="+mn-ea"/>
+              </a:rPr>
+              <a:t>2000) </a:t>
+            </a:r>
+            <a:endParaRPr lang="en-US" altLang="zh-CN" sz="2000" b="0" u="none" dirty="0" smtClean="0">
+              <a:solidFill>
+                <a:schemeClr val="tx1">
+                  <a:tint val="75000"/>
+                </a:schemeClr>
+              </a:solidFill>
+              <a:cs typeface="+mn-ea"/>
+            </a:endParaRPr>
           </a:p>
           <a:p>
             <a:pPr marL="0" indent="0" algn="l" eaLnBrk="1" latinLnBrk="0" hangingPunct="1">
@@ -11703,9 +11722,7 @@
             <a:r>
               <a:rPr lang="en-US" altLang="zh-CN" sz="2000" b="0" u="none" dirty="0" smtClean="0">
                 <a:solidFill>
-                  <a:schemeClr val="tx1">
-                    <a:tint val="75000"/>
-                  </a:schemeClr>
+                  <a:srgbClr val="FF0000"/>
                 </a:solidFill>
                 <a:cs typeface="+mn-ea"/>
               </a:rPr>
@@ -11714,9 +11731,7 @@
             <a:r>
               <a:rPr lang="en-US" altLang="zh-CN" sz="2000" b="1" u="none" dirty="0" smtClean="0">
                 <a:solidFill>
-                  <a:schemeClr val="tx1">
-                    <a:tint val="75000"/>
-                  </a:schemeClr>
+                  <a:srgbClr val="FF0000"/>
                 </a:solidFill>
                 <a:cs typeface="+mn-ea"/>
               </a:rPr>
@@ -11725,9 +11740,7 @@
             <a:r>
               <a:rPr lang="en-US" altLang="zh-CN" sz="2000" b="0" u="none" dirty="0" smtClean="0">
                 <a:solidFill>
-                  <a:schemeClr val="tx1">
-                    <a:tint val="75000"/>
-                  </a:schemeClr>
+                  <a:srgbClr val="FF0000"/>
                 </a:solidFill>
                 <a:cs typeface="+mn-ea"/>
               </a:rPr>
@@ -11736,9 +11749,7 @@
             <a:r>
               <a:rPr lang="en-US" altLang="zh-CN" sz="2000" dirty="0" smtClean="0">
                 <a:solidFill>
-                  <a:schemeClr val="tx1">
-                    <a:tint val="75000"/>
-                  </a:schemeClr>
+                  <a:srgbClr val="FF0000"/>
                 </a:solidFill>
                 <a:cs typeface="+mn-ea"/>
                 <a:sym typeface="+mn-ea"/>
@@ -11748,9 +11759,7 @@
             <a:r>
               <a:rPr lang="en-US" altLang="zh-CN" sz="2000" b="0" u="none" dirty="0" smtClean="0">
                 <a:solidFill>
-                  <a:schemeClr val="tx1">
-                    <a:tint val="75000"/>
-                  </a:schemeClr>
+                  <a:srgbClr val="FF0000"/>
                 </a:solidFill>
                 <a:cs typeface="+mn-ea"/>
               </a:rPr>
@@ -12166,8 +12175,93 @@
                 </a:solidFill>
                 <a:cs typeface="+mn-ea"/>
               </a:rPr>
-              <a:t>No distinction between what student &amp; professional designers use as inspirational sources and idea generation methods.</a:t>
-            </a:r>
+              <a:t>No distinction between </a:t>
+            </a:r>
+            <a:r>
+              <a:rPr lang="en-US" altLang="zh-CN" sz="2000" b="0" u="none" dirty="0" smtClean="0">
+                <a:solidFill>
+                  <a:schemeClr val="bg1">
+                    <a:lumMod val="50000"/>
+                  </a:schemeClr>
+                </a:solidFill>
+                <a:cs typeface="+mn-ea"/>
+              </a:rPr>
+              <a:t>student </a:t>
+            </a:r>
+            <a:r>
+              <a:rPr lang="en-US" altLang="zh-CN" sz="2000" dirty="0" smtClean="0">
+                <a:solidFill>
+                  <a:schemeClr val="bg1">
+                    <a:lumMod val="50000"/>
+                  </a:schemeClr>
+                </a:solidFill>
+                <a:cs typeface="+mn-ea"/>
+              </a:rPr>
+              <a:t>and</a:t>
+            </a:r>
+            <a:r>
+              <a:rPr lang="en-US" altLang="zh-CN" sz="2000" b="0" u="none" dirty="0" smtClean="0">
+                <a:solidFill>
+                  <a:schemeClr val="bg1">
+                    <a:lumMod val="50000"/>
+                  </a:schemeClr>
+                </a:solidFill>
+                <a:cs typeface="+mn-ea"/>
+              </a:rPr>
+              <a:t> </a:t>
+            </a:r>
+            <a:r>
+              <a:rPr lang="en-US" altLang="zh-CN" sz="2000" b="0" u="none" dirty="0" smtClean="0">
+                <a:solidFill>
+                  <a:schemeClr val="bg1">
+                    <a:lumMod val="50000"/>
+                  </a:schemeClr>
+                </a:solidFill>
+                <a:cs typeface="+mn-ea"/>
+              </a:rPr>
+              <a:t>professional designers </a:t>
+            </a:r>
+            <a:r>
+              <a:rPr lang="en-US" altLang="zh-CN" sz="2000" b="0" u="none" dirty="0" smtClean="0">
+                <a:solidFill>
+                  <a:schemeClr val="bg1">
+                    <a:lumMod val="50000"/>
+                  </a:schemeClr>
+                </a:solidFill>
+                <a:cs typeface="+mn-ea"/>
+              </a:rPr>
+              <a:t>when they choose </a:t>
+            </a:r>
+            <a:r>
+              <a:rPr lang="en-US" altLang="zh-CN" sz="2000" dirty="0" err="1" smtClean="0">
+                <a:solidFill>
+                  <a:schemeClr val="bg1">
+                    <a:lumMod val="50000"/>
+                  </a:schemeClr>
+                </a:solidFill>
+                <a:cs typeface="+mn-ea"/>
+              </a:rPr>
+              <a:t>stimu</a:t>
+            </a:r>
+            <a:r>
+              <a:rPr lang="en-US" altLang="zh-CN" sz="2000" b="0" u="none" dirty="0" err="1" smtClean="0">
+                <a:solidFill>
+                  <a:schemeClr val="bg1">
+                    <a:lumMod val="50000"/>
+                  </a:schemeClr>
+                </a:solidFill>
+                <a:cs typeface="+mn-ea"/>
+              </a:rPr>
+              <a:t>l</a:t>
+            </a:r>
+            <a:endParaRPr lang="en-US" altLang="zh-CN" sz="2000" b="0" u="none" dirty="0" smtClean="0">
+              <a:solidFill>
+                <a:schemeClr val="bg1">
+                  <a:lumMod val="50000"/>
+                </a:schemeClr>
+              </a:solidFill>
+              <a:cs typeface="+mn-ea"/>
+            </a:endParaRPr>
           </a:p>
           <a:p>
             <a:pPr marL="0" indent="0" algn="l"/>
@@ -12238,7 +12332,29 @@
                 </a:solidFill>
                 <a:sym typeface="宋体" pitchFamily="2" charset="-122"/>
               </a:rPr>
-              <a:t> designer probably because of they tend to categories information or insights in different ways.</a:t>
+              <a:t> designer probably because </a:t>
+            </a:r>
+            <a:r>
+              <a:rPr lang="en-US" altLang="zh-CN" sz="2000" dirty="0" smtClean="0">
+                <a:solidFill>
+                  <a:schemeClr val="bg1">
+                    <a:lumMod val="50000"/>
+                  </a:schemeClr>
+                </a:solidFill>
+                <a:sym typeface="宋体" pitchFamily="2" charset="-122"/>
+              </a:rPr>
+              <a:t> </a:t>
+            </a:r>
+            <a:r>
+              <a:rPr lang="en-US" altLang="zh-CN" sz="2000" dirty="0" smtClean="0">
+                <a:solidFill>
+                  <a:schemeClr val="bg1">
+                    <a:lumMod val="50000"/>
+                  </a:schemeClr>
+                </a:solidFill>
+                <a:sym typeface="宋体" pitchFamily="2" charset="-122"/>
+              </a:rPr>
+              <a:t>they tend to categories information or insights in different ways.</a:t>
             </a:r>
           </a:p>
           <a:p>
@@ -12296,11 +12412,85 @@
             <a:r>
               <a:rPr lang="en-US" altLang="zh-CN" sz="2600" b="1" dirty="0" smtClean="0">
                 <a:solidFill>
-                  <a:schemeClr val="bg1"/>
+                  <a:srgbClr val="FF0000"/>
                 </a:solidFill>
               </a:rPr>
               <a:t>Comparision of student &amp; professional designers</a:t>
             </a:r>
+          </a:p>
+        </p:txBody>
+      </p:sp>
+      <p:sp>
+        <p:nvSpPr>
+          <p:cNvPr id="5" name="矩形 4"/>
+          <p:cNvSpPr/>
+          <p:nvPr/>
+        </p:nvSpPr>
+        <p:spPr>
+          <a:xfrm>
+            <a:off x="1000100" y="1428736"/>
+            <a:ext cx="917367" cy="369332"/>
+          </a:xfrm>
+          <a:prstGeom prst="rect">
+            <a:avLst/>
+          </a:prstGeom>
+        </p:spPr>
+        <p:txBody>
+          <a:bodyPr wrap="none">
+            <a:spAutoFit/>
+          </a:bodyPr>
+          <a:lstStyle/>
+          <a:p>
+            <a:r>
+              <a:rPr lang="en-US" altLang="zh-CN" b="1" dirty="0" smtClean="0">
+                <a:solidFill>
+                  <a:srgbClr val="FF0000"/>
+                </a:solidFill>
+              </a:rPr>
+              <a:t>student</a:t>
+            </a:r>
+            <a:endParaRPr lang="zh-CN" altLang="en-US" dirty="0"/>
+          </a:p>
+        </p:txBody>
+      </p:sp>
+      <p:sp>
+        <p:nvSpPr>
+          <p:cNvPr id="6" name="矩形 5"/>
+          <p:cNvSpPr/>
+          <p:nvPr/>
+        </p:nvSpPr>
+        <p:spPr>
+          <a:xfrm>
+            <a:off x="2571736" y="1488032"/>
+            <a:ext cx="2308581" cy="369332"/>
+          </a:xfrm>
+          <a:prstGeom prst="rect">
+            <a:avLst/>
+          </a:prstGeom>
+        </p:spPr>
+        <p:txBody>
+          <a:bodyPr wrap="none">
+            <a:spAutoFit/>
+          </a:bodyPr>
+          <a:lstStyle/>
+          <a:p>
+            <a:r>
+              <a:rPr lang="en-US" altLang="zh-CN" b="1" dirty="0" smtClean="0">
+                <a:solidFill>
+                  <a:srgbClr val="FF0000"/>
+                </a:solidFill>
+              </a:rPr>
+              <a:t>professional </a:t>
+            </a:r>
+            <a:r>
+              <a:rPr lang="en-US" altLang="zh-CN" b="1" dirty="0" smtClean="0">
+                <a:solidFill>
+                  <a:srgbClr val="FF0000"/>
+                </a:solidFill>
+              </a:rPr>
+              <a:t>designers</a:t>
+            </a:r>
+            <a:endParaRPr lang="zh-CN" altLang="en-US" dirty="0"/>
           </a:p>
         </p:txBody>
       </p:sp>
@@ -12875,7 +13065,7 @@
               <a:buNone/>
             </a:pPr>
             <a:r>
-              <a:rPr lang="en-US" altLang="zh-CN" sz="2000" smtClean="0">
+              <a:rPr lang="en-US" altLang="zh-CN" sz="2000" dirty="0" smtClean="0">
                 <a:solidFill>
                   <a:schemeClr val="bg1">
                     <a:lumMod val="50000"/>
@@ -12885,7 +13075,7 @@
               </a:rPr>
               <a:t>What is the difference in mindset when generating design ideas?</a:t>
             </a:r>
-            <a:endParaRPr lang="en-US" altLang="zh-CN" sz="2000">
+            <a:endParaRPr lang="en-US" altLang="zh-CN" sz="2000" dirty="0">
               <a:solidFill>
                 <a:schemeClr val="bg1">
                   <a:lumMod val="50000"/>
@@ -13301,11 +13491,6 @@
               </a:rPr>
               <a:t>Conclusions</a:t>
             </a:r>
-            <a:endParaRPr lang="en-US" altLang="zh-CN" sz="2600" b="1" dirty="0" smtClean="0">
-              <a:solidFill>
-                <a:schemeClr val="bg1"/>
-              </a:solidFill>
-            </a:endParaRPr>
           </a:p>
         </p:txBody>
       </p:sp>
@@ -13422,7 +13607,7 @@
     </p:spTree>
     <p:extLst>
       <p:ext uri="{BB962C8B-B14F-4D97-AF65-F5344CB8AC3E}">
-        <p14:creationId xmlns:p14="http://schemas.microsoft.com/office/powerpoint/2010/main" val="4242960472"/>
+        <p14:creationId xmlns:p14="http://schemas.microsoft.com/office/powerpoint/2010/main" xmlns="" val="4242960472"/>
       </p:ext>
     </p:extLst>
   </p:cSld>
@@ -13523,16 +13708,11 @@
             <a:r>
               <a:rPr lang="en-US" altLang="zh-CN" sz="2600" b="1" dirty="0" smtClean="0">
                 <a:solidFill>
-                  <a:schemeClr val="bg1"/>
+                  <a:srgbClr val="FF0000"/>
                 </a:solidFill>
               </a:rPr>
               <a:t>Future work</a:t>
             </a:r>
-            <a:endParaRPr lang="en-US" altLang="zh-CN" sz="2600" b="1" dirty="0" smtClean="0">
-              <a:solidFill>
-                <a:schemeClr val="bg1"/>
-              </a:solidFill>
-            </a:endParaRPr>
           </a:p>
         </p:txBody>
       </p:sp>
@@ -13669,7 +13849,7 @@
     </p:spTree>
     <p:extLst>
       <p:ext uri="{BB962C8B-B14F-4D97-AF65-F5344CB8AC3E}">
-        <p14:creationId xmlns:p14="http://schemas.microsoft.com/office/powerpoint/2010/main" val="2882168067"/>
+        <p14:creationId xmlns:p14="http://schemas.microsoft.com/office/powerpoint/2010/main" xmlns="" val="2882168067"/>
       </p:ext>
     </p:extLst>
   </p:cSld>
@@ -14532,12 +14712,6 @@
               </a:rPr>
               <a:t>Conclusions and future work</a:t>
             </a:r>
-            <a:endParaRPr lang="en-US" altLang="en-US" sz="2200" dirty="0" smtClean="0">
-              <a:solidFill>
-                <a:srgbClr val="898989"/>
-              </a:solidFill>
-              <a:sym typeface="宋体" pitchFamily="2" charset="-122"/>
-            </a:endParaRPr>
           </a:p>
           <a:p>
             <a:pPr marL="457200" indent="-457200" algn="l">
@@ -27511,11 +27685,25 @@
                   </a:schemeClr>
                 </a:solidFill>
               </a:rPr>
-              <a:t> Study and work</a:t>
+              <a:t> </a:t>
+            </a:r>
+            <a:r>
+              <a:rPr lang="en-US" altLang="zh-CN" sz="2000" noProof="1" smtClean="0">
+                <a:solidFill>
+                  <a:schemeClr val="bg1">
+                    <a:lumMod val="50000"/>
+                  </a:schemeClr>
+                </a:solidFill>
+              </a:rPr>
+              <a:t>Personal</a:t>
             </a:r>
             <a:r>
               <a:rPr lang="en-US" altLang="zh-CN" sz="2000" noProof="1" smtClean="0"/>
-              <a:t> experience</a:t>
+              <a:t> </a:t>
+            </a:r>
+            <a:r>
+              <a:rPr lang="en-US" altLang="zh-CN" sz="2000" noProof="1" smtClean="0"/>
+              <a:t>experience</a:t>
             </a:r>
           </a:p>
           <a:p>
@@ -27533,19 +27721,8 @@
                 <a:cs typeface="+mn-ea"/>
                 <a:sym typeface="+mn-ea"/>
               </a:rPr>
-              <a:t>1) design survey result </a:t>
-            </a:r>
-            <a:r>
-              <a:rPr lang="en-US" sz="2000" noProof="1" smtClean="0">
-                <a:cs typeface="+mn-ea"/>
-                <a:sym typeface="+mn-ea"/>
-              </a:rPr>
-              <a:t>not fully utilized</a:t>
-            </a:r>
-            <a:endParaRPr lang="en-US" sz="2000" noProof="1" smtClean="0">
-              <a:cs typeface="+mn-ea"/>
-              <a:sym typeface="+mn-ea"/>
-            </a:endParaRPr>
+              <a:t>1) design survey result not fully utilized</a:t>
+            </a:r>
           </a:p>
           <a:p>
             <a:pPr algn="l" eaLnBrk="1" hangingPunct="1">
@@ -27569,14 +27746,7 @@
                 <a:cs typeface="+mn-ea"/>
                 <a:sym typeface="+mn-ea"/>
               </a:rPr>
-              <a:t>) </a:t>
-            </a:r>
-            <a:r>
-              <a:rPr lang="en-US" sz="2000" noProof="1" smtClean="0">
-                <a:cs typeface="+mn-ea"/>
-                <a:sym typeface="+mn-ea"/>
-              </a:rPr>
-              <a:t>limited design ideas generation </a:t>
+              <a:t>) limited design ideas generation </a:t>
             </a:r>
             <a:r>
               <a:rPr lang="en-US" sz="2000" noProof="1" smtClean="0">
@@ -37112,16 +37282,7 @@
                 </a:solidFill>
                 <a:ea typeface="宋体" pitchFamily="2" charset="-122"/>
               </a:rPr>
-              <a:t>Common </a:t>
-            </a:r>
-            <a:r>
-              <a:rPr lang="en-US" altLang="en-US" sz="2600" b="1" dirty="0" smtClean="0">
-                <a:solidFill>
-                  <a:schemeClr val="bg1"/>
-                </a:solidFill>
-                <a:ea typeface="宋体" pitchFamily="2" charset="-122"/>
-              </a:rPr>
-              <a:t>situation? </a:t>
+              <a:t>Common situation? </a:t>
             </a:r>
           </a:p>
         </p:txBody>
@@ -37262,7 +37423,25 @@
                 </a:solidFill>
                 <a:sym typeface="+mn-ea"/>
               </a:rPr>
-              <a:t>ot effective to translate empirical findings to </a:t>
+              <a:t>ot </a:t>
+            </a:r>
+            <a:r>
+              <a:rPr lang="en-US" altLang="zh-CN" sz="2000" noProof="1" smtClean="0">
+                <a:solidFill>
+                  <a:srgbClr val="898989"/>
+                </a:solidFill>
+                <a:sym typeface="+mn-ea"/>
+              </a:rPr>
+              <a:t>effectively </a:t>
+            </a:r>
+            <a:r>
+              <a:rPr lang="en-US" altLang="zh-CN" sz="2000" noProof="1">
+                <a:solidFill>
+                  <a:srgbClr val="898989"/>
+                </a:solidFill>
+                <a:sym typeface="+mn-ea"/>
+              </a:rPr>
+              <a:t>to translate empirical findings to </a:t>
             </a:r>
             <a:r>
               <a:rPr lang="en-US" altLang="zh-CN" sz="2000" noProof="1" smtClean="0">
@@ -38179,12 +38358,6 @@
               </a:rPr>
               <a:t>Problems Solved or Not? </a:t>
             </a:r>
-            <a:endParaRPr lang="en-US" altLang="en-US" sz="2600" b="1" dirty="0" smtClean="0">
-              <a:solidFill>
-                <a:schemeClr val="bg1"/>
-              </a:solidFill>
-              <a:ea typeface="宋体" pitchFamily="2" charset="-122"/>
-            </a:endParaRPr>
           </a:p>
         </p:txBody>
       </p:sp>
@@ -44418,99 +44591,17 @@
           <a:bodyPr anchor="ctr"/>
           <a:lstStyle/>
           <a:p>
-            <a:pPr algn="ctr">
-              <a:defRPr/>
-            </a:pPr>
-            <a:r>
-              <a:rPr lang="en-US" altLang="zh-CN" sz="1100" dirty="0" smtClean="0">
-                <a:solidFill>
-                  <a:schemeClr val="tx1"/>
-                </a:solidFill>
-                <a:sym typeface="+mn-ea"/>
-              </a:rPr>
-              <a:t>Dual (positive &amp; negative) effects on design performance </a:t>
-            </a:r>
-          </a:p>
-        </p:txBody>
-      </p:sp>
-      <p:sp>
-        <p:nvSpPr>
-          <p:cNvPr id="93" name="矩形 92">
-            <a:hlinkClick r:id="rId5" action="ppaction://hlinksldjump"/>
-          </p:cNvPr>
-          <p:cNvSpPr/>
-          <p:nvPr/>
-        </p:nvSpPr>
-        <p:spPr>
-          <a:xfrm>
-            <a:off x="6992620" y="4580890"/>
-            <a:ext cx="1948815" cy="428625"/>
-          </a:xfrm>
-          <a:prstGeom prst="rect">
-            <a:avLst/>
-          </a:prstGeom>
-          <a:ln w="19050">
-            <a:noFill/>
-          </a:ln>
-        </p:spPr>
-        <p:style>
-          <a:lnRef idx="2">
-            <a:schemeClr val="accent2"/>
-          </a:lnRef>
-          <a:fillRef idx="1">
-            <a:schemeClr val="lt1"/>
-          </a:fillRef>
-          <a:effectRef idx="0">
-            <a:schemeClr val="accent2"/>
-          </a:effectRef>
-          <a:fontRef idx="minor">
-            <a:schemeClr val="dk1"/>
-          </a:fontRef>
-        </p:style>
-        <p:txBody>
-          <a:bodyPr anchor="ctr"/>
-          <a:lstStyle/>
-          <a:p>
-            <a:pPr marL="0" marR="0" indent="0" algn="l" defTabSz="914400" rtl="0" eaLnBrk="1" fontAlgn="auto" latinLnBrk="0" hangingPunct="1">
-              <a:lnSpc>
-                <a:spcPct val="100000"/>
-              </a:lnSpc>
-              <a:spcBef>
-                <a:spcPts val="0"/>
-              </a:spcBef>
-              <a:spcAft>
-                <a:spcPts val="0"/>
-              </a:spcAft>
-              <a:buClrTx/>
-              <a:buSzTx/>
-              <a:buFontTx/>
-              <a:buNone/>
-              <a:defRPr/>
-            </a:pPr>
-            <a:r>
-              <a:rPr lang="en-US" altLang="zh-CN" sz="1100" noProof="1" smtClean="0">
-                <a:solidFill>
-                  <a:schemeClr val="tx1"/>
-                </a:solidFill>
-                <a:sym typeface="宋体" pitchFamily="2" charset="-122"/>
-              </a:rPr>
-              <a:t>End user </a:t>
-            </a:r>
-            <a:r>
-              <a:rPr lang="en-US" altLang="zh-CN" sz="1100" dirty="0" smtClean="0">
-                <a:solidFill>
-                  <a:schemeClr val="tx1"/>
-                </a:solidFill>
-                <a:sym typeface="+mn-ea"/>
-              </a:rPr>
-              <a:t>as primary trigger</a:t>
-            </a:r>
-            <a:endParaRPr lang="en-US" altLang="zh-CN" sz="1100" noProof="1" smtClean="0">
-              <a:solidFill>
-                <a:schemeClr val="tx1"/>
-              </a:solidFill>
-              <a:sym typeface="宋体" pitchFamily="2" charset="-122"/>
-            </a:endParaRPr>
+            <a:r>
+              <a:rPr lang="en-US" altLang="zh-CN" sz="1100" b="1" dirty="0" smtClean="0">
+                <a:solidFill>
+                  <a:schemeClr val="tx1">
+                    <a:lumMod val="65000"/>
+                    <a:lumOff val="35000"/>
+                  </a:schemeClr>
+                </a:solidFill>
+              </a:rPr>
+              <a:t>Influence of visual stimuli</a:t>
+            </a:r>
           </a:p>
         </p:txBody>
       </p:sp>
@@ -44691,9 +44782,7 @@
       <p:cxnSp>
         <p:nvCxnSpPr>
           <p:cNvPr id="170" name="肘形连接符 169"/>
-          <p:cNvCxnSpPr>
-            <a:endCxn id="93" idx="0"/>
-          </p:cNvCxnSpPr>
+          <p:cNvCxnSpPr/>
           <p:nvPr/>
         </p:nvCxnSpPr>
         <p:spPr>
@@ -44861,7 +44950,7 @@
       <p:sp>
         <p:nvSpPr>
           <p:cNvPr id="208" name="矩形 207">
-            <a:hlinkClick r:id="rId6" action="ppaction://hlinksldjump"/>
+            <a:hlinkClick r:id="rId5" action="ppaction://hlinksldjump"/>
           </p:cNvPr>
           <p:cNvSpPr/>
           <p:nvPr/>
@@ -45083,15 +45172,33 @@
             <a:r>
               <a:rPr lang="en-US" altLang="zh-CN" sz="1100" dirty="0" smtClean="0">
                 <a:solidFill>
-                  <a:schemeClr val="tx1"/>
+                  <a:srgbClr val="FF0000"/>
                 </a:solidFill>
                 <a:sym typeface="+mn-ea"/>
               </a:rPr>
-              <a:t>What stimuli do designer use to trigger designer ideas</a:t>
+              <a:t>Different  </a:t>
+            </a:r>
+            <a:r>
+              <a:rPr lang="en-US" altLang="zh-CN" sz="1100" dirty="0" smtClean="0">
+                <a:solidFill>
+                  <a:srgbClr val="FF0000"/>
+                </a:solidFill>
+                <a:sym typeface="+mn-ea"/>
+              </a:rPr>
+              <a:t>designer </a:t>
+            </a:r>
+            <a:r>
+              <a:rPr lang="en-US" altLang="zh-CN" sz="1100" dirty="0" smtClean="0">
+                <a:solidFill>
+                  <a:srgbClr val="FF0000"/>
+                </a:solidFill>
+                <a:sym typeface="+mn-ea"/>
+              </a:rPr>
+              <a:t>use to trigger designer ideas</a:t>
             </a:r>
             <a:endParaRPr lang="en-US" sz="1100" noProof="1">
               <a:solidFill>
-                <a:schemeClr val="tx1"/>
+                <a:srgbClr val="FF0000"/>
               </a:solidFill>
             </a:endParaRPr>
           </a:p>
@@ -45508,127 +45615,6 @@
           </a:p>
         </p:txBody>
       </p:sp>
-      <p:cxnSp>
-        <p:nvCxnSpPr>
-          <p:cNvPr id="16" name="直接箭头连接符 15"/>
-          <p:cNvCxnSpPr/>
-          <p:nvPr/>
-        </p:nvCxnSpPr>
-        <p:spPr>
-          <a:xfrm>
-            <a:off x="1260000" y="4887595"/>
-            <a:ext cx="0" cy="634365"/>
-          </a:xfrm>
-          <a:prstGeom prst="straightConnector1">
-            <a:avLst/>
-          </a:prstGeom>
-          <a:ln>
-            <a:solidFill>
-              <a:schemeClr val="bg1">
-                <a:lumMod val="65000"/>
-              </a:schemeClr>
-            </a:solidFill>
-            <a:tailEnd type="arrow"/>
-          </a:ln>
-        </p:spPr>
-        <p:style>
-          <a:lnRef idx="1">
-            <a:schemeClr val="accent1"/>
-          </a:lnRef>
-          <a:fillRef idx="0">
-            <a:schemeClr val="accent1"/>
-          </a:fillRef>
-          <a:effectRef idx="0">
-            <a:schemeClr val="accent1"/>
-          </a:effectRef>
-          <a:fontRef idx="minor">
-            <a:schemeClr val="tx1"/>
-          </a:fontRef>
-        </p:style>
-      </p:cxnSp>
-      <p:cxnSp>
-        <p:nvCxnSpPr>
-          <p:cNvPr id="20" name="肘形连接符 19"/>
-          <p:cNvCxnSpPr>
-            <a:stCxn id="94" idx="2"/>
-            <a:endCxn id="2" idx="0"/>
-          </p:cNvCxnSpPr>
-          <p:nvPr/>
-        </p:nvCxnSpPr>
-        <p:spPr>
-          <a:xfrm rot="5400000" flipV="1">
-            <a:off x="2014855" y="4126230"/>
-            <a:ext cx="629920" cy="2152650"/>
-          </a:xfrm>
-          <a:prstGeom prst="bentConnector3">
-            <a:avLst>
-              <a:gd name="adj1" fmla="val 50000"/>
-            </a:avLst>
-          </a:prstGeom>
-          <a:ln>
-            <a:solidFill>
-              <a:schemeClr val="bg1">
-                <a:lumMod val="65000"/>
-              </a:schemeClr>
-            </a:solidFill>
-            <a:tailEnd type="arrow"/>
-          </a:ln>
-        </p:spPr>
-        <p:style>
-          <a:lnRef idx="1">
-            <a:schemeClr val="accent1"/>
-          </a:lnRef>
-          <a:fillRef idx="0">
-            <a:schemeClr val="accent1"/>
-          </a:fillRef>
-          <a:effectRef idx="0">
-            <a:schemeClr val="accent1"/>
-          </a:effectRef>
-          <a:fontRef idx="minor">
-            <a:schemeClr val="tx1"/>
-          </a:fontRef>
-        </p:style>
-      </p:cxnSp>
-      <p:cxnSp>
-        <p:nvCxnSpPr>
-          <p:cNvPr id="23" name="直接箭头连接符 22"/>
-          <p:cNvCxnSpPr>
-            <a:stCxn id="3" idx="2"/>
-          </p:cNvCxnSpPr>
-          <p:nvPr/>
-        </p:nvCxnSpPr>
-        <p:spPr>
-          <a:xfrm>
-            <a:off x="5859145" y="5010150"/>
-            <a:ext cx="0" cy="520065"/>
-          </a:xfrm>
-          <a:prstGeom prst="straightConnector1">
-            <a:avLst/>
-          </a:prstGeom>
-          <a:ln>
-            <a:solidFill>
-              <a:schemeClr val="bg1">
-                <a:lumMod val="65000"/>
-              </a:schemeClr>
-            </a:solidFill>
-            <a:tailEnd type="arrow"/>
-          </a:ln>
-        </p:spPr>
-        <p:style>
-          <a:lnRef idx="1">
-            <a:schemeClr val="accent1"/>
-          </a:lnRef>
-          <a:fillRef idx="0">
-            <a:schemeClr val="accent1"/>
-          </a:fillRef>
-          <a:effectRef idx="0">
-            <a:schemeClr val="accent1"/>
-          </a:effectRef>
-          <a:fontRef idx="minor">
-            <a:schemeClr val="tx1"/>
-          </a:fontRef>
-        </p:style>
-      </p:cxnSp>
     </p:spTree>
   </p:cSld>
   <p:clrMapOvr>
@@ -45670,7 +45656,7 @@
         <p:spPr>
           <a:xfrm>
             <a:off x="2122805" y="1137285"/>
-            <a:ext cx="1871980" cy="1871980"/>
+            <a:ext cx="1577335" cy="1577335"/>
           </a:xfrm>
           <a:prstGeom prst="ellipse">
             <a:avLst/>
@@ -45775,7 +45761,16 @@
                 </a:solidFill>
                 <a:ea typeface="宋体" pitchFamily="2" charset="-122"/>
               </a:rPr>
-              <a:t>Significant of stimuli in ideation</a:t>
+              <a:t>Significance </a:t>
+            </a:r>
+            <a:r>
+              <a:rPr lang="en-US" altLang="en-US" sz="2600" b="1" dirty="0" smtClean="0">
+                <a:solidFill>
+                  <a:schemeClr val="bg1"/>
+                </a:solidFill>
+                <a:ea typeface="宋体" pitchFamily="2" charset="-122"/>
+              </a:rPr>
+              <a:t>of stimuli in ideation</a:t>
             </a:r>
           </a:p>
         </p:txBody>
@@ -45788,8 +45783,8 @@
         </p:nvSpPr>
         <p:spPr>
           <a:xfrm>
-            <a:off x="692150" y="3142615"/>
-            <a:ext cx="8002905" cy="3627120"/>
+            <a:off x="500034" y="3128563"/>
+            <a:ext cx="8286808" cy="2923877"/>
           </a:xfrm>
           <a:prstGeom prst="rect">
             <a:avLst/>
@@ -45823,8 +45818,37 @@
                   </a:schemeClr>
                 </a:solidFill>
               </a:rPr>
-              <a:t> Definition: something external that influences the design activity to elicit the formation of creative solutions for existing problems/potential needs, such as examples of products, pictures, written documents and etc.</a:t>
-            </a:r>
+              <a:t>Influences </a:t>
+            </a:r>
+            <a:r>
+              <a:rPr lang="en-US" altLang="zh-CN" sz="2000" dirty="0" smtClean="0">
+                <a:solidFill>
+                  <a:schemeClr val="bg1">
+                    <a:lumMod val="50000"/>
+                  </a:schemeClr>
+                </a:solidFill>
+              </a:rPr>
+              <a:t>the design activity to elicit the formation of creative </a:t>
+            </a:r>
+            <a:r>
+              <a:rPr lang="en-US" altLang="zh-CN" sz="2000" dirty="0" smtClean="0">
+                <a:solidFill>
+                  <a:schemeClr val="bg1">
+                    <a:lumMod val="50000"/>
+                  </a:schemeClr>
+                </a:solidFill>
+              </a:rPr>
+              <a:t>solutions</a:t>
+            </a:r>
+            <a:endParaRPr lang="en-US" altLang="zh-CN" sz="2000" dirty="0" smtClean="0">
+              <a:solidFill>
+                <a:schemeClr val="tx1">
+                  <a:tint val="75000"/>
+                </a:schemeClr>
+              </a:solidFill>
+              <a:cs typeface="+mn-ea"/>
+              <a:sym typeface="+mn-ea"/>
+            </a:endParaRPr>
           </a:p>
           <a:p>
             <a:pPr marL="171450" indent="-171450">
@@ -45841,120 +45865,14 @@
               <a:buChar char="l"/>
               <a:defRPr/>
             </a:pPr>
-            <a:r>
-              <a:rPr lang="en-US" altLang="zh-CN" sz="2000" dirty="0" smtClean="0">
-                <a:solidFill>
-                  <a:schemeClr val="tx1">
-                    <a:tint val="75000"/>
-                  </a:schemeClr>
-                </a:solidFill>
-                <a:cs typeface="+mn-ea"/>
-                <a:sym typeface="+mn-ea"/>
-              </a:rPr>
-              <a:t> Searching</a:t>
-            </a:r>
-            <a:r>
-              <a:rPr lang="zh-CN" altLang="zh-CN" sz="2000" dirty="0" smtClean="0">
-                <a:solidFill>
-                  <a:schemeClr val="tx1">
-                    <a:tint val="75000"/>
-                  </a:schemeClr>
-                </a:solidFill>
-                <a:cs typeface="+mn-ea"/>
-                <a:sym typeface="+mn-ea"/>
-              </a:rPr>
-              <a:t> </a:t>
-            </a:r>
-            <a:r>
-              <a:rPr lang="en-US" altLang="zh-CN" sz="2000" dirty="0" smtClean="0">
-                <a:solidFill>
-                  <a:schemeClr val="tx1">
-                    <a:tint val="75000"/>
-                  </a:schemeClr>
-                </a:solidFill>
-                <a:cs typeface="+mn-ea"/>
-                <a:sym typeface="+mn-ea"/>
-              </a:rPr>
-              <a:t>for inspirational stimuli is an essential step in the </a:t>
-            </a:r>
-            <a:r>
-              <a:rPr lang="en-US" altLang="zh-CN" sz="2000" dirty="0" err="1" smtClean="0">
-                <a:solidFill>
-                  <a:schemeClr val="tx1">
-                    <a:tint val="75000"/>
-                  </a:schemeClr>
-                </a:solidFill>
-                <a:cs typeface="+mn-ea"/>
-                <a:sym typeface="+mn-ea"/>
-              </a:rPr>
-              <a:t>intial</a:t>
-            </a:r>
-            <a:r>
-              <a:rPr lang="en-US" altLang="zh-CN" sz="2000" dirty="0" smtClean="0">
-                <a:solidFill>
-                  <a:schemeClr val="tx1">
-                    <a:tint val="75000"/>
-                  </a:schemeClr>
-                </a:solidFill>
-                <a:cs typeface="+mn-ea"/>
-                <a:sym typeface="+mn-ea"/>
-              </a:rPr>
-              <a:t> stage of the design ideas generation (</a:t>
-            </a:r>
-            <a:r>
-              <a:rPr lang="en-US" altLang="zh-CN" sz="2000" dirty="0" err="1" smtClean="0">
-                <a:solidFill>
-                  <a:schemeClr val="tx1">
-                    <a:tint val="75000"/>
-                  </a:schemeClr>
-                </a:solidFill>
-                <a:cs typeface="+mn-ea"/>
-                <a:sym typeface="+mn-ea"/>
-              </a:rPr>
-              <a:t>Gonḉalves</a:t>
-            </a:r>
-            <a:r>
-              <a:rPr lang="en-US" altLang="zh-CN" sz="2000" dirty="0" smtClean="0">
-                <a:solidFill>
-                  <a:schemeClr val="tx1">
-                    <a:tint val="75000"/>
-                  </a:schemeClr>
-                </a:solidFill>
-                <a:cs typeface="+mn-ea"/>
-                <a:sym typeface="+mn-ea"/>
-              </a:rPr>
-              <a:t> &amp; </a:t>
-            </a:r>
-            <a:r>
-              <a:rPr lang="en-US" altLang="zh-CN" sz="2000" dirty="0" err="1" smtClean="0">
-                <a:solidFill>
-                  <a:schemeClr val="tx1">
-                    <a:tint val="75000"/>
-                  </a:schemeClr>
-                </a:solidFill>
-                <a:cs typeface="+mn-ea"/>
-                <a:sym typeface="+mn-ea"/>
-              </a:rPr>
-              <a:t>etl</a:t>
-            </a:r>
-            <a:r>
-              <a:rPr lang="en-US" altLang="zh-CN" sz="2000" dirty="0" smtClean="0">
-                <a:solidFill>
-                  <a:schemeClr val="tx1">
-                    <a:tint val="75000"/>
-                  </a:schemeClr>
-                </a:solidFill>
-                <a:cs typeface="+mn-ea"/>
-                <a:sym typeface="+mn-ea"/>
-              </a:rPr>
-              <a:t>., 2014).</a:t>
-            </a:r>
             <a:endParaRPr lang="en-US" altLang="zh-CN" sz="2000" dirty="0" smtClean="0">
               <a:solidFill>
-                <a:schemeClr val="bg1">
-                  <a:lumMod val="50000"/>
+                <a:schemeClr val="tx1">
+                  <a:tint val="75000"/>
                 </a:schemeClr>
               </a:solidFill>
+              <a:cs typeface="+mn-ea"/>
+              <a:sym typeface="+mn-ea"/>
             </a:endParaRPr>
           </a:p>
           <a:p>
@@ -45975,12 +45893,118 @@
             <a:r>
               <a:rPr lang="en-US" altLang="zh-CN" sz="2000" dirty="0" smtClean="0">
                 <a:solidFill>
+                  <a:schemeClr val="tx1">
+                    <a:tint val="75000"/>
+                  </a:schemeClr>
+                </a:solidFill>
+                <a:cs typeface="+mn-ea"/>
+                <a:sym typeface="+mn-ea"/>
+              </a:rPr>
+              <a:t>An essential step in the initial stage of the design ideas generation (</a:t>
+            </a:r>
+            <a:r>
+              <a:rPr lang="en-US" altLang="zh-CN" sz="2000" dirty="0" err="1" smtClean="0">
+                <a:solidFill>
+                  <a:schemeClr val="tx1">
+                    <a:tint val="75000"/>
+                  </a:schemeClr>
+                </a:solidFill>
+                <a:cs typeface="+mn-ea"/>
+                <a:sym typeface="+mn-ea"/>
+              </a:rPr>
+              <a:t>Gonḉalves</a:t>
+            </a:r>
+            <a:r>
+              <a:rPr lang="en-US" altLang="zh-CN" sz="2000" dirty="0" smtClean="0">
+                <a:solidFill>
+                  <a:schemeClr val="tx1">
+                    <a:tint val="75000"/>
+                  </a:schemeClr>
+                </a:solidFill>
+                <a:cs typeface="+mn-ea"/>
+                <a:sym typeface="+mn-ea"/>
+              </a:rPr>
+              <a:t> &amp; </a:t>
+            </a:r>
+            <a:r>
+              <a:rPr lang="en-US" altLang="zh-CN" sz="2000" dirty="0" err="1" smtClean="0">
+                <a:solidFill>
+                  <a:schemeClr val="tx1">
+                    <a:tint val="75000"/>
+                  </a:schemeClr>
+                </a:solidFill>
+                <a:cs typeface="+mn-ea"/>
+                <a:sym typeface="+mn-ea"/>
+              </a:rPr>
+              <a:t>etl</a:t>
+            </a:r>
+            <a:r>
+              <a:rPr lang="en-US" altLang="zh-CN" sz="2000" dirty="0" smtClean="0">
+                <a:solidFill>
+                  <a:schemeClr val="tx1">
+                    <a:tint val="75000"/>
+                  </a:schemeClr>
+                </a:solidFill>
+                <a:cs typeface="+mn-ea"/>
+                <a:sym typeface="+mn-ea"/>
+              </a:rPr>
+              <a:t>., 2014).</a:t>
+            </a:r>
+            <a:endParaRPr lang="en-US" altLang="zh-CN" sz="2000" dirty="0" smtClean="0">
+              <a:solidFill>
+                <a:schemeClr val="bg1">
+                  <a:lumMod val="50000"/>
+                </a:schemeClr>
+              </a:solidFill>
+            </a:endParaRPr>
+          </a:p>
+          <a:p>
+            <a:pPr marL="171450" indent="-171450">
+              <a:lnSpc>
+                <a:spcPct val="140000"/>
+              </a:lnSpc>
+              <a:spcBef>
+                <a:spcPct val="20000"/>
+              </a:spcBef>
+              <a:spcAft>
+                <a:spcPts val="0"/>
+              </a:spcAft>
+              <a:buFont typeface="Wingdings" charset="0"/>
+              <a:buChar char="l"/>
+              <a:defRPr/>
+            </a:pPr>
+            <a:endParaRPr lang="en-US" altLang="zh-CN" sz="2000" dirty="0" smtClean="0">
+              <a:solidFill>
+                <a:schemeClr val="bg1">
+                  <a:lumMod val="50000"/>
+                </a:schemeClr>
+              </a:solidFill>
+            </a:endParaRPr>
+          </a:p>
+          <a:p>
+            <a:pPr marL="171450" indent="-171450">
+              <a:lnSpc>
+                <a:spcPct val="140000"/>
+              </a:lnSpc>
+              <a:spcBef>
+                <a:spcPct val="20000"/>
+              </a:spcBef>
+              <a:spcAft>
+                <a:spcPts val="0"/>
+              </a:spcAft>
+              <a:buFont typeface="Wingdings" charset="0"/>
+              <a:buChar char="l"/>
+              <a:defRPr/>
+            </a:pPr>
+            <a:r>
+              <a:rPr lang="en-US" altLang="zh-CN" sz="2000" dirty="0" smtClean="0">
+                <a:solidFill>
                   <a:schemeClr val="bg1">
                     <a:lumMod val="50000"/>
                   </a:schemeClr>
                 </a:solidFill>
               </a:rPr>
-              <a:t> Understanding what and how stimuli designers use can help to support designers in a more efficient search, retrieval and usage of available inspirational sources</a:t>
+              <a:t>designers </a:t>
             </a:r>
             <a:r>
               <a:rPr lang="en-US" altLang="zh-CN" sz="2000" dirty="0" smtClean="0">
@@ -45989,9 +46013,18 @@
                     <a:lumMod val="50000"/>
                   </a:schemeClr>
                 </a:solidFill>
-                <a:hlinkClick r:id="rId3" action="ppaction://hlinksldjump"/>
-              </a:rPr>
-              <a:t>.</a:t>
+              </a:rPr>
+              <a:t>can </a:t>
+            </a:r>
+            <a:r>
+              <a:rPr lang="en-US" altLang="zh-CN" sz="2000" dirty="0" smtClean="0">
+                <a:solidFill>
+                  <a:schemeClr val="bg1">
+                    <a:lumMod val="50000"/>
+                  </a:schemeClr>
+                </a:solidFill>
+              </a:rPr>
+              <a:t>accelerate conversion with a better understanding of Stimuli</a:t>
             </a:r>
             <a:endParaRPr lang="en-US" altLang="zh-CN" sz="2000" dirty="0" smtClean="0">
               <a:solidFill>
@@ -46012,7 +46045,7 @@
         <p:spPr>
           <a:xfrm>
             <a:off x="3996055" y="2072640"/>
-            <a:ext cx="1294765" cy="0"/>
+            <a:ext cx="1033671" cy="1"/>
           </a:xfrm>
           <a:prstGeom prst="straightConnector1">
             <a:avLst/>
@@ -46050,8 +46083,8 @@
         </p:nvSpPr>
         <p:spPr>
           <a:xfrm>
-            <a:off x="2554605" y="1784985"/>
-            <a:ext cx="1190625" cy="642620"/>
+            <a:off x="2357422" y="1568223"/>
+            <a:ext cx="1285884" cy="646331"/>
           </a:xfrm>
           <a:prstGeom prst="rect">
             <a:avLst/>
@@ -46065,7 +46098,7 @@
           <a:lstStyle/>
           <a:p>
             <a:r>
-              <a:rPr lang="en-US" altLang="zh-CN">
+              <a:rPr lang="en-US" altLang="zh-CN" dirty="0">
                 <a:solidFill>
                   <a:schemeClr val="bg1">
                     <a:lumMod val="50000"/>
@@ -46085,8 +46118,8 @@
         </p:nvSpPr>
         <p:spPr>
           <a:xfrm>
-            <a:off x="5864860" y="1761490"/>
-            <a:ext cx="1190625" cy="642620"/>
+            <a:off x="5643570" y="1639661"/>
+            <a:ext cx="1003223" cy="646331"/>
           </a:xfrm>
           <a:prstGeom prst="rect">
             <a:avLst/>
@@ -46100,7 +46133,7 @@
           <a:lstStyle/>
           <a:p>
             <a:r>
-              <a:rPr lang="en-US" altLang="zh-CN">
+              <a:rPr lang="en-US" altLang="zh-CN" dirty="0">
                 <a:solidFill>
                   <a:schemeClr val="bg1">
                     <a:lumMod val="50000"/>
@@ -46120,8 +46153,8 @@
         </p:nvSpPr>
         <p:spPr>
           <a:xfrm>
-            <a:off x="3880485" y="2317115"/>
-            <a:ext cx="1409700" cy="398780"/>
+            <a:off x="3880485" y="2071678"/>
+            <a:ext cx="1187817" cy="400110"/>
           </a:xfrm>
           <a:prstGeom prst="rect">
             <a:avLst/>
@@ -46136,7 +46169,7 @@
           <a:p>
             <a:pPr algn="ctr"/>
             <a:r>
-              <a:rPr lang="en-US" altLang="zh-CN" sz="2000">
+              <a:rPr lang="en-US" altLang="zh-CN" sz="2000" dirty="0">
                 <a:solidFill>
                   <a:schemeClr val="bg1">
                     <a:lumMod val="50000"/>
@@ -46157,7 +46190,7 @@
         <p:spPr>
           <a:xfrm>
             <a:off x="5292090" y="1137285"/>
-            <a:ext cx="1871980" cy="1871980"/>
+            <a:ext cx="1577335" cy="1577335"/>
           </a:xfrm>
           <a:prstGeom prst="ellipse">
             <a:avLst/>
@@ -46204,8 +46237,8 @@
         </p:nvSpPr>
         <p:spPr>
           <a:xfrm rot="5400000">
-            <a:off x="4510405" y="1727200"/>
-            <a:ext cx="285115" cy="161290"/>
+            <a:off x="4520150" y="1717456"/>
+            <a:ext cx="240241" cy="135905"/>
           </a:xfrm>
           <a:prstGeom prst="flowChartExtract">
             <a:avLst/>
@@ -46252,8 +46285,8 @@
         </p:nvSpPr>
         <p:spPr>
           <a:xfrm rot="5400000">
-            <a:off x="4350385" y="1727200"/>
-            <a:ext cx="285115" cy="161290"/>
+            <a:off x="4360130" y="1717456"/>
+            <a:ext cx="240241" cy="135905"/>
           </a:xfrm>
           <a:prstGeom prst="flowChartExtract">
             <a:avLst/>
@@ -46613,7 +46646,7 @@
   <a:extraClrSchemeLst/>
   <a:extLst>
     <a:ext uri="{05A4C25C-085E-4340-85A3-A5531E510DB2}">
-      <thm15:themeFamily xmlns="" xmlns:thm15="http://schemas.microsoft.com/office/thememl/2012/main" name="Office Theme" id="{62F939B6-93AF-4DB8-9C6B-D6C7DFDC589F}" vid="{4A3C46E8-61CC-4603-A589-7422A47A8E4A}"/>
+      <thm15:themeFamily xmlns:thm15="http://schemas.microsoft.com/office/thememl/2012/main" xmlns="" name="Office Theme" id="{62F939B6-93AF-4DB8-9C6B-D6C7DFDC589F}" vid="{4A3C46E8-61CC-4603-A589-7422A47A8E4A}"/>
     </a:ext>
   </a:extLst>
 </a:theme>
@@ -46901,7 +46934,7 @@
   <a:extraClrSchemeLst/>
   <a:extLst>
     <a:ext uri="{05A4C25C-085E-4340-85A3-A5531E510DB2}">
-      <thm15:themeFamily xmlns="" xmlns:thm15="http://schemas.microsoft.com/office/thememl/2012/main" name="Office Theme" id="{62F939B6-93AF-4DB8-9C6B-D6C7DFDC589F}" vid="{4A3C46E8-61CC-4603-A589-7422A47A8E4A}"/>
+      <thm15:themeFamily xmlns:thm15="http://schemas.microsoft.com/office/thememl/2012/main" xmlns="" name="Office Theme" id="{62F939B6-93AF-4DB8-9C6B-D6C7DFDC589F}" vid="{4A3C46E8-61CC-4603-A589-7422A47A8E4A}"/>
     </a:ext>
   </a:extLst>
 </a:theme>
